--- a/slides/2016-03-02-Catastrophic-Errors.pptx
+++ b/slides/2016-03-02-Catastrophic-Errors.pptx
@@ -245,7 +245,7 @@
           <a:p>
             <a:fld id="{87A53A69-58AE-4041-9C41-242AD11FCB2A}" type="datetimeFigureOut">
               <a:rPr lang="en-US" smtClean="0"/>
-              <a:t>2/28/16</a:t>
+              <a:t>3/2/16</a:t>
             </a:fld>
             <a:endParaRPr lang="en-US"/>
           </a:p>
@@ -415,7 +415,7 @@
           <a:p>
             <a:fld id="{87A53A69-58AE-4041-9C41-242AD11FCB2A}" type="datetimeFigureOut">
               <a:rPr lang="en-US" smtClean="0"/>
-              <a:t>2/28/16</a:t>
+              <a:t>3/2/16</a:t>
             </a:fld>
             <a:endParaRPr lang="en-US"/>
           </a:p>
@@ -595,7 +595,7 @@
           <a:p>
             <a:fld id="{87A53A69-58AE-4041-9C41-242AD11FCB2A}" type="datetimeFigureOut">
               <a:rPr lang="en-US" smtClean="0"/>
-              <a:t>2/28/16</a:t>
+              <a:t>3/2/16</a:t>
             </a:fld>
             <a:endParaRPr lang="en-US"/>
           </a:p>
@@ -765,7 +765,7 @@
           <a:p>
             <a:fld id="{87A53A69-58AE-4041-9C41-242AD11FCB2A}" type="datetimeFigureOut">
               <a:rPr lang="en-US" smtClean="0"/>
-              <a:t>2/28/16</a:t>
+              <a:t>3/2/16</a:t>
             </a:fld>
             <a:endParaRPr lang="en-US"/>
           </a:p>
@@ -1009,7 +1009,7 @@
           <a:p>
             <a:fld id="{87A53A69-58AE-4041-9C41-242AD11FCB2A}" type="datetimeFigureOut">
               <a:rPr lang="en-US" smtClean="0"/>
-              <a:t>2/28/16</a:t>
+              <a:t>3/2/16</a:t>
             </a:fld>
             <a:endParaRPr lang="en-US"/>
           </a:p>
@@ -1241,7 +1241,7 @@
           <a:p>
             <a:fld id="{87A53A69-58AE-4041-9C41-242AD11FCB2A}" type="datetimeFigureOut">
               <a:rPr lang="en-US" smtClean="0"/>
-              <a:t>2/28/16</a:t>
+              <a:t>3/2/16</a:t>
             </a:fld>
             <a:endParaRPr lang="en-US"/>
           </a:p>
@@ -1608,7 +1608,7 @@
           <a:p>
             <a:fld id="{87A53A69-58AE-4041-9C41-242AD11FCB2A}" type="datetimeFigureOut">
               <a:rPr lang="en-US" smtClean="0"/>
-              <a:t>2/28/16</a:t>
+              <a:t>3/2/16</a:t>
             </a:fld>
             <a:endParaRPr lang="en-US"/>
           </a:p>
@@ -1726,7 +1726,7 @@
           <a:p>
             <a:fld id="{87A53A69-58AE-4041-9C41-242AD11FCB2A}" type="datetimeFigureOut">
               <a:rPr lang="en-US" smtClean="0"/>
-              <a:t>2/28/16</a:t>
+              <a:t>3/2/16</a:t>
             </a:fld>
             <a:endParaRPr lang="en-US"/>
           </a:p>
@@ -1821,7 +1821,7 @@
           <a:p>
             <a:fld id="{87A53A69-58AE-4041-9C41-242AD11FCB2A}" type="datetimeFigureOut">
               <a:rPr lang="en-US" smtClean="0"/>
-              <a:t>2/28/16</a:t>
+              <a:t>3/2/16</a:t>
             </a:fld>
             <a:endParaRPr lang="en-US"/>
           </a:p>
@@ -2098,7 +2098,7 @@
           <a:p>
             <a:fld id="{87A53A69-58AE-4041-9C41-242AD11FCB2A}" type="datetimeFigureOut">
               <a:rPr lang="en-US" smtClean="0"/>
-              <a:t>2/28/16</a:t>
+              <a:t>3/2/16</a:t>
             </a:fld>
             <a:endParaRPr lang="en-US"/>
           </a:p>
@@ -2355,7 +2355,7 @@
           <a:p>
             <a:fld id="{87A53A69-58AE-4041-9C41-242AD11FCB2A}" type="datetimeFigureOut">
               <a:rPr lang="en-US" smtClean="0"/>
-              <a:t>2/28/16</a:t>
+              <a:t>3/2/16</a:t>
             </a:fld>
             <a:endParaRPr lang="en-US"/>
           </a:p>
@@ -2568,7 +2568,7 @@
           <a:p>
             <a:fld id="{87A53A69-58AE-4041-9C41-242AD11FCB2A}" type="datetimeFigureOut">
               <a:rPr lang="en-US" smtClean="0"/>
-              <a:t>2/28/16</a:t>
+              <a:t>3/2/16</a:t>
             </a:fld>
             <a:endParaRPr lang="en-US"/>
           </a:p>
@@ -3015,16 +3015,11 @@
               <a:rPr lang="en-US" dirty="0" smtClean="0"/>
               <a:t>Reading</a:t>
             </a:r>
-            <a:endParaRPr lang="en-US" dirty="0" smtClean="0"/>
           </a:p>
           <a:p>
             <a:r>
               <a:rPr lang="en-US" dirty="0" smtClean="0"/>
-              <a:t>March 2016 </a:t>
-            </a:r>
-            <a:r>
-              <a:rPr lang="en-US" dirty="0" smtClean="0"/>
-              <a:t>MPI Forum</a:t>
+              <a:t>March 2016 MPI Forum</a:t>
             </a:r>
           </a:p>
           <a:p>
@@ -3218,7 +3213,7 @@
         <p:spPr/>
         <p:txBody>
           <a:bodyPr>
-            <a:normAutofit lnSpcReduction="10000"/>
+            <a:normAutofit fontScale="92500" lnSpcReduction="20000"/>
           </a:bodyPr>
           <a:lstStyle/>
           <a:p>
@@ -3226,7 +3221,7 @@
               <a:buNone/>
             </a:pPr>
             <a:r>
-              <a:rPr lang="en-US" sz="1500" dirty="0" err="1">
+              <a:rPr lang="en-US" sz="1500" b="1" dirty="0" err="1" smtClean="0">
                 <a:latin typeface="Menlo" charset="0"/>
                 <a:ea typeface="Menlo" charset="0"/>
                 <a:cs typeface="Menlo" charset="0"/>
@@ -3234,7 +3229,7 @@
               <a:t>int</a:t>
             </a:r>
             <a:r>
-              <a:rPr lang="en-US" sz="1500" dirty="0">
+              <a:rPr lang="en-US" sz="1500" b="1" dirty="0" smtClean="0">
                 <a:latin typeface="Menlo" charset="0"/>
                 <a:ea typeface="Menlo" charset="0"/>
                 <a:cs typeface="Menlo" charset="0"/>
@@ -3242,7 +3237,7 @@
               <a:t> MPI_ERR_IS_CATASTROPHIC(</a:t>
             </a:r>
             <a:r>
-              <a:rPr lang="en-US" sz="1500" dirty="0" err="1">
+              <a:rPr lang="en-US" sz="1500" b="1" dirty="0" err="1" smtClean="0">
                 <a:latin typeface="Menlo" charset="0"/>
                 <a:ea typeface="Menlo" charset="0"/>
                 <a:cs typeface="Menlo" charset="0"/>
@@ -3250,7 +3245,7 @@
               <a:t>int</a:t>
             </a:r>
             <a:r>
-              <a:rPr lang="en-US" sz="1500" dirty="0">
+              <a:rPr lang="en-US" sz="1500" b="1" dirty="0" smtClean="0">
                 <a:latin typeface="Menlo" charset="0"/>
                 <a:ea typeface="Menlo" charset="0"/>
                 <a:cs typeface="Menlo" charset="0"/>
@@ -3258,7 +3253,7 @@
               <a:t> </a:t>
             </a:r>
             <a:r>
-              <a:rPr lang="en-US" sz="1500" dirty="0" err="1">
+              <a:rPr lang="en-US" sz="1500" b="1" dirty="0" err="1" smtClean="0">
                 <a:latin typeface="Menlo" charset="0"/>
                 <a:ea typeface="Menlo" charset="0"/>
                 <a:cs typeface="Menlo" charset="0"/>
@@ -3266,7 +3261,7 @@
               <a:t>errorcode</a:t>
             </a:r>
             <a:r>
-              <a:rPr lang="en-US" sz="1500" dirty="0">
+              <a:rPr lang="en-US" sz="1500" b="1" dirty="0" smtClean="0">
                 <a:latin typeface="Menlo" charset="0"/>
                 <a:ea typeface="Menlo" charset="0"/>
                 <a:cs typeface="Menlo" charset="0"/>
@@ -3274,7 +3269,7 @@
               <a:t>, </a:t>
             </a:r>
             <a:r>
-              <a:rPr lang="en-US" sz="1500" dirty="0" err="1">
+              <a:rPr lang="en-US" sz="1500" b="1" dirty="0" err="1" smtClean="0">
                 <a:latin typeface="Menlo" charset="0"/>
                 <a:ea typeface="Menlo" charset="0"/>
                 <a:cs typeface="Menlo" charset="0"/>
@@ -3282,7 +3277,7 @@
               <a:t>int</a:t>
             </a:r>
             <a:r>
-              <a:rPr lang="en-US" sz="1500" dirty="0">
+              <a:rPr lang="en-US" sz="1500" b="1" dirty="0" smtClean="0">
                 <a:latin typeface="Menlo" charset="0"/>
                 <a:ea typeface="Menlo" charset="0"/>
                 <a:cs typeface="Menlo" charset="0"/>
@@ -3291,12 +3286,82 @@
             </a:r>
           </a:p>
           <a:p>
+            <a:pPr marL="0" indent="0">
+              <a:buNone/>
+            </a:pPr>
+            <a:endParaRPr lang="en-US" sz="1500" b="1" dirty="0">
+              <a:latin typeface="Menlo" charset="0"/>
+              <a:ea typeface="Menlo" charset="0"/>
+              <a:cs typeface="Menlo" charset="0"/>
+            </a:endParaRPr>
+          </a:p>
+          <a:p>
+            <a:pPr marL="0" indent="0">
+              <a:buNone/>
+            </a:pPr>
+            <a:r>
+              <a:rPr lang="en-US" sz="1500" b="1" dirty="0" err="1">
+                <a:latin typeface="Menlo" charset="0"/>
+                <a:ea typeface="Menlo" charset="0"/>
+                <a:cs typeface="Menlo" charset="0"/>
+              </a:rPr>
+              <a:t>i</a:t>
+            </a:r>
+            <a:r>
+              <a:rPr lang="en-US" sz="1500" b="1" dirty="0" err="1" smtClean="0">
+                <a:latin typeface="Menlo" charset="0"/>
+                <a:ea typeface="Menlo" charset="0"/>
+                <a:cs typeface="Menlo" charset="0"/>
+              </a:rPr>
+              <a:t>nt</a:t>
+            </a:r>
+            <a:r>
+              <a:rPr lang="en-US" sz="1500" b="1" smtClean="0">
+                <a:latin typeface="Menlo" charset="0"/>
+                <a:ea typeface="Menlo" charset="0"/>
+                <a:cs typeface="Menlo" charset="0"/>
+              </a:rPr>
+              <a:t> MPI_IS_BORKED(void);</a:t>
+            </a:r>
+            <a:endParaRPr lang="en-US" sz="1500" b="1" dirty="0" smtClean="0">
+              <a:latin typeface="Menlo" charset="0"/>
+              <a:ea typeface="Menlo" charset="0"/>
+              <a:cs typeface="Menlo" charset="0"/>
+            </a:endParaRPr>
+          </a:p>
+          <a:p>
+            <a:pPr marL="0" indent="0">
+              <a:buNone/>
+            </a:pPr>
+            <a:endParaRPr lang="en-US" sz="1500" dirty="0" smtClean="0">
+              <a:latin typeface="Menlo" charset="0"/>
+              <a:ea typeface="Menlo" charset="0"/>
+              <a:cs typeface="Menlo" charset="0"/>
+            </a:endParaRPr>
+          </a:p>
+          <a:p>
             <a:endParaRPr lang="en-US" dirty="0" smtClean="0"/>
           </a:p>
           <a:p>
             <a:r>
               <a:rPr lang="en-US" dirty="0" smtClean="0"/>
-              <a:t>The implementation returns MPI_CATASTROPHIC if the library is undefined. MPI_NONCATASTROPHIC otherwise.</a:t>
+              <a:t>The implementation returns </a:t>
+            </a:r>
+            <a:r>
+              <a:rPr lang="en-US" dirty="0" smtClean="0"/>
+              <a:t>TRUE if the state of the </a:t>
+            </a:r>
+            <a:r>
+              <a:rPr lang="en-US" dirty="0" smtClean="0"/>
+              <a:t>library is undefined. </a:t>
+            </a:r>
+            <a:r>
+              <a:rPr lang="en-US" dirty="0" smtClean="0"/>
+              <a:t>FALSE otherwise</a:t>
+            </a:r>
+            <a:r>
+              <a:rPr lang="en-US" dirty="0" smtClean="0"/>
+              <a:t>.</a:t>
             </a:r>
           </a:p>
           <a:p>
@@ -3350,6 +3415,13 @@
   <p:clrMapOvr>
     <a:masterClrMapping/>
   </p:clrMapOvr>
+  <p:timing>
+    <p:tnLst>
+      <p:par>
+        <p:cTn id="1" dur="indefinite" restart="never" nodeType="tmRoot"/>
+      </p:par>
+    </p:tnLst>
+  </p:timing>
 </p:sld>
 </file>
 
